--- a/project3/DevSecOpsPipline.pptx
+++ b/project3/DevSecOpsPipline.pptx
@@ -6319,6 +6319,21 @@
               <a:rPr lang="en-US" sz="1000" dirty="0"/>
               <a:t>Amazon ECR/AMI or container image scanning</a:t>
             </a:r>
+          </a:p>
+          <a:p>
+            <a:pPr lvl="0" algn="ctr"/>
+            <a:r>
+              <a:rPr lang="en-US" sz="1000" dirty="0"/>
+              <a:t>(</a:t>
+            </a:r>
+            <a:r>
+              <a:rPr lang="en-US" sz="1000" dirty="0" err="1"/>
+              <a:t>Anchore</a:t>
+            </a:r>
+            <a:r>
+              <a:rPr lang="en-US" sz="1000" dirty="0"/>
+              <a:t>)</a:t>
+            </a:r>
             <a:endParaRPr sz="1000" dirty="0"/>
           </a:p>
         </p:txBody>
@@ -6568,6 +6583,13 @@
             <a:r>
               <a:rPr lang="en" sz="1000" dirty="0"/>
               <a:t>Inspector/Infrastructure code compliance scanning</a:t>
+            </a:r>
+          </a:p>
+          <a:p>
+            <a:pPr lvl="0" algn="ctr"/>
+            <a:r>
+              <a:rPr lang="en" sz="1000" dirty="0"/>
+              <a:t>(Chekov)</a:t>
             </a:r>
             <a:endParaRPr sz="1000" dirty="0"/>
           </a:p>
@@ -6734,7 +6756,7 @@
         <p:spPr>
           <a:xfrm>
             <a:off x="6593056" y="4319821"/>
-            <a:ext cx="1666512" cy="400110"/>
+            <a:ext cx="1666512" cy="553998"/>
           </a:xfrm>
           <a:prstGeom prst="rect">
             <a:avLst/>
@@ -6751,7 +6773,7 @@
           <a:p>
             <a:r>
               <a:rPr lang="en-US" sz="1000" dirty="0"/>
-              <a:t>Post-deployment compliance scanning</a:t>
+              <a:t>Post-deployment compliance scanning (AWS Config)</a:t>
             </a:r>
           </a:p>
         </p:txBody>
